--- a/2025-SPR/Week13.pptx
+++ b/2025-SPR/Week13.pptx
@@ -3403,25 +3403,8 @@
                   </a:schemeClr>
                 </a:solidFill>
               </a:rPr>
-              <a:t>Week 13: 2025-04-17 </a:t>
-            </a:r>
-            <a:r>
-              <a:rPr lang="en-US">
-                <a:solidFill>
-                  <a:schemeClr val="accent1">
-                    <a:lumMod val="50000"/>
-                  </a:schemeClr>
-                </a:solidFill>
-              </a:rPr>
-              <a:t>to 04-23</a:t>
-            </a:r>
-            <a:endParaRPr lang="en-US" dirty="0">
-              <a:solidFill>
-                <a:schemeClr val="accent1">
-                  <a:lumMod val="50000"/>
-                </a:schemeClr>
-              </a:solidFill>
-            </a:endParaRPr>
+              <a:t>Week 13: 2025-04-17 to 04-23</a:t>
+            </a:r>
           </a:p>
           <a:p>
             <a:r>
